--- a/Timeline.pptx
+++ b/Timeline.pptx
@@ -3414,8 +3414,8 @@
         </p:nvSpPr>
         <p:spPr>
           <a:xfrm>
-            <a:off x="2115077" y="3145438"/>
-            <a:ext cx="1217135" cy="954107"/>
+            <a:off x="2115077" y="3343150"/>
+            <a:ext cx="1217135" cy="738664"/>
           </a:xfrm>
           <a:prstGeom prst="rect">
             <a:avLst/>
@@ -3437,7 +3437,7 @@
                   </a:schemeClr>
                 </a:solidFill>
               </a:rPr>
-              <a:t>Restrictions announced after X cases reached</a:t>
+              <a:t>Restrictions announced after X cases</a:t>
             </a:r>
           </a:p>
         </p:txBody>
@@ -3456,7 +3456,7 @@
         </p:nvSpPr>
         <p:spPr>
           <a:xfrm>
-            <a:off x="3909187" y="3539026"/>
+            <a:off x="3909187" y="3563740"/>
             <a:ext cx="1217135" cy="523220"/>
           </a:xfrm>
           <a:prstGeom prst="rect">
@@ -5412,51 +5412,6 @@
           <a:xfrm>
             <a:off x="2771334" y="4130850"/>
             <a:ext cx="0" cy="1581665"/>
-          </a:xfrm>
-          <a:prstGeom prst="line">
-            <a:avLst/>
-          </a:prstGeom>
-          <a:ln w="76200">
-            <a:solidFill>
-              <a:schemeClr val="accent5">
-                <a:lumMod val="50000"/>
-              </a:schemeClr>
-            </a:solidFill>
-          </a:ln>
-        </p:spPr>
-        <p:style>
-          <a:lnRef idx="1">
-            <a:schemeClr val="accent1"/>
-          </a:lnRef>
-          <a:fillRef idx="0">
-            <a:schemeClr val="accent1"/>
-          </a:fillRef>
-          <a:effectRef idx="0">
-            <a:schemeClr val="accent1"/>
-          </a:effectRef>
-          <a:fontRef idx="minor">
-            <a:schemeClr val="tx1"/>
-          </a:fontRef>
-        </p:style>
-      </p:cxnSp>
-      <p:cxnSp>
-        <p:nvCxnSpPr>
-          <p:cNvPr id="31" name="Straight Connector 30">
-            <a:extLst>
-              <a:ext uri="{FF2B5EF4-FFF2-40B4-BE49-F238E27FC236}">
-                <a16:creationId xmlns:a16="http://schemas.microsoft.com/office/drawing/2014/main" id="{720823C6-9A51-D347-8B16-1C77E87EBC80}"/>
-              </a:ext>
-            </a:extLst>
-          </p:cNvPr>
-          <p:cNvCxnSpPr>
-            <a:cxnSpLocks/>
-          </p:cNvCxnSpPr>
-          <p:nvPr/>
-        </p:nvCxnSpPr>
-        <p:spPr>
-          <a:xfrm>
-            <a:off x="4517755" y="4192635"/>
-            <a:ext cx="0" cy="1519880"/>
           </a:xfrm>
           <a:prstGeom prst="line">
             <a:avLst/>
@@ -5954,6 +5909,51 @@
           </p:sp>
         </mc:Fallback>
       </mc:AlternateContent>
+      <p:cxnSp>
+        <p:nvCxnSpPr>
+          <p:cNvPr id="39" name="Straight Connector 38">
+            <a:extLst>
+              <a:ext uri="{FF2B5EF4-FFF2-40B4-BE49-F238E27FC236}">
+                <a16:creationId xmlns:a16="http://schemas.microsoft.com/office/drawing/2014/main" id="{2BA7490A-23B5-FD4F-833C-0B360CBF1F4E}"/>
+              </a:ext>
+            </a:extLst>
+          </p:cNvPr>
+          <p:cNvCxnSpPr>
+            <a:cxnSpLocks/>
+          </p:cNvCxnSpPr>
+          <p:nvPr/>
+        </p:nvCxnSpPr>
+        <p:spPr>
+          <a:xfrm>
+            <a:off x="4513643" y="4137961"/>
+            <a:ext cx="0" cy="1581665"/>
+          </a:xfrm>
+          <a:prstGeom prst="line">
+            <a:avLst/>
+          </a:prstGeom>
+          <a:ln w="76200">
+            <a:solidFill>
+              <a:schemeClr val="accent5">
+                <a:lumMod val="50000"/>
+              </a:schemeClr>
+            </a:solidFill>
+          </a:ln>
+        </p:spPr>
+        <p:style>
+          <a:lnRef idx="1">
+            <a:schemeClr val="accent1"/>
+          </a:lnRef>
+          <a:fillRef idx="0">
+            <a:schemeClr val="accent1"/>
+          </a:fillRef>
+          <a:effectRef idx="0">
+            <a:schemeClr val="accent1"/>
+          </a:effectRef>
+          <a:fontRef idx="minor">
+            <a:schemeClr val="tx1"/>
+          </a:fontRef>
+        </p:style>
+      </p:cxnSp>
     </p:spTree>
     <p:extLst>
       <p:ext uri="{BB962C8B-B14F-4D97-AF65-F5344CB8AC3E}">
